--- a/Mom's Computer.pptx
+++ b/Mom's Computer.pptx
@@ -128,889 +128,10 @@
 <file path=ppt/revisionInfo.xml><?xml version="1.0" encoding="utf-8"?>
 <p1510:revInfo xmlns:a="http://schemas.openxmlformats.org/drawingml/2006/main" xmlns:r="http://schemas.openxmlformats.org/officeDocument/2006/relationships" xmlns:p1510="http://schemas.microsoft.com/office/powerpoint/2015/10/main">
   <p1510:revLst>
+    <p1510:client id="{83584C4F-1F7E-4803-99B0-728AC73D4C8F}" v="6" dt="2020-05-01T01:09:51.132"/>
     <p1510:client id="{BCB7B0BD-345F-400A-98AF-2FBDF84826BF}" v="155" dt="2020-04-30T14:47:47.112"/>
   </p1510:revLst>
 </p1510:revInfo>
-</file>
-
-<file path=ppt/changesInfos/changesInfo1.xml><?xml version="1.0" encoding="utf-8"?>
-<pc:chgInfo xmlns:a="http://schemas.openxmlformats.org/drawingml/2006/main" xmlns:r="http://schemas.openxmlformats.org/officeDocument/2006/relationships" xmlns:ac="http://schemas.microsoft.com/office/drawing/2013/main/command" xmlns:pc="http://schemas.microsoft.com/office/powerpoint/2013/main/command">
-  <pc:docChgLst>
-    <pc:chgData name="Jordan Lemite" userId="c0a9b13e6c570cf9" providerId="LiveId" clId="{83584C4F-1F7E-4803-99B0-728AC73D4C8F}"/>
-    <pc:docChg chg="custSel modSld">
-      <pc:chgData name="Jordan Lemite" userId="c0a9b13e6c570cf9" providerId="LiveId" clId="{83584C4F-1F7E-4803-99B0-728AC73D4C8F}" dt="2020-04-30T15:28:57.631" v="18" actId="20577"/>
-      <pc:docMkLst>
-        <pc:docMk/>
-      </pc:docMkLst>
-      <pc:sldChg chg="modSp">
-        <pc:chgData name="Jordan Lemite" userId="c0a9b13e6c570cf9" providerId="LiveId" clId="{83584C4F-1F7E-4803-99B0-728AC73D4C8F}" dt="2020-04-30T15:28:57.631" v="18" actId="20577"/>
-        <pc:sldMkLst>
-          <pc:docMk/>
-          <pc:sldMk cId="4057835897" sldId="259"/>
-        </pc:sldMkLst>
-        <pc:spChg chg="mod">
-          <ac:chgData name="Jordan Lemite" userId="c0a9b13e6c570cf9" providerId="LiveId" clId="{83584C4F-1F7E-4803-99B0-728AC73D4C8F}" dt="2020-04-30T15:28:57.631" v="18" actId="20577"/>
-          <ac:spMkLst>
-            <pc:docMk/>
-            <pc:sldMk cId="4057835897" sldId="259"/>
-            <ac:spMk id="3" creationId="{91920277-39BB-4F78-AA0D-32A2F5B031D2}"/>
-          </ac:spMkLst>
-        </pc:spChg>
-      </pc:sldChg>
-    </pc:docChg>
-  </pc:docChgLst>
-  <pc:docChgLst>
-    <pc:chgData name="Jordan Lemite" userId="c0a9b13e6c570cf9" providerId="LiveId" clId="{BCB7B0BD-345F-400A-98AF-2FBDF84826BF}"/>
-    <pc:docChg chg="undo custSel mod addSld modSld">
-      <pc:chgData name="Jordan Lemite" userId="c0a9b13e6c570cf9" providerId="LiveId" clId="{BCB7B0BD-345F-400A-98AF-2FBDF84826BF}" dt="2020-04-30T14:56:59.340" v="5672" actId="27636"/>
-      <pc:docMkLst>
-        <pc:docMk/>
-      </pc:docMkLst>
-      <pc:sldChg chg="modSp">
-        <pc:chgData name="Jordan Lemite" userId="c0a9b13e6c570cf9" providerId="LiveId" clId="{BCB7B0BD-345F-400A-98AF-2FBDF84826BF}" dt="2020-04-29T16:53:38.695" v="770" actId="5793"/>
-        <pc:sldMkLst>
-          <pc:docMk/>
-          <pc:sldMk cId="284035045" sldId="256"/>
-        </pc:sldMkLst>
-        <pc:spChg chg="mod">
-          <ac:chgData name="Jordan Lemite" userId="c0a9b13e6c570cf9" providerId="LiveId" clId="{BCB7B0BD-345F-400A-98AF-2FBDF84826BF}" dt="2020-04-29T16:53:33.493" v="766" actId="20577"/>
-          <ac:spMkLst>
-            <pc:docMk/>
-            <pc:sldMk cId="284035045" sldId="256"/>
-            <ac:spMk id="2" creationId="{E13CE89F-D372-4B19-AFAA-7E07129F9468}"/>
-          </ac:spMkLst>
-        </pc:spChg>
-        <pc:spChg chg="mod">
-          <ac:chgData name="Jordan Lemite" userId="c0a9b13e6c570cf9" providerId="LiveId" clId="{BCB7B0BD-345F-400A-98AF-2FBDF84826BF}" dt="2020-04-29T16:53:38.695" v="770" actId="5793"/>
-          <ac:spMkLst>
-            <pc:docMk/>
-            <pc:sldMk cId="284035045" sldId="256"/>
-            <ac:spMk id="3" creationId="{DA8BD7DF-062F-4714-A340-E9AD7546FCC9}"/>
-          </ac:spMkLst>
-        </pc:spChg>
-      </pc:sldChg>
-      <pc:sldChg chg="modSp add">
-        <pc:chgData name="Jordan Lemite" userId="c0a9b13e6c570cf9" providerId="LiveId" clId="{BCB7B0BD-345F-400A-98AF-2FBDF84826BF}" dt="2020-04-29T17:13:17.584" v="1286" actId="20577"/>
-        <pc:sldMkLst>
-          <pc:docMk/>
-          <pc:sldMk cId="3568510109" sldId="257"/>
-        </pc:sldMkLst>
-        <pc:spChg chg="mod">
-          <ac:chgData name="Jordan Lemite" userId="c0a9b13e6c570cf9" providerId="LiveId" clId="{BCB7B0BD-345F-400A-98AF-2FBDF84826BF}" dt="2020-04-29T16:59:04.806" v="817" actId="20577"/>
-          <ac:spMkLst>
-            <pc:docMk/>
-            <pc:sldMk cId="3568510109" sldId="257"/>
-            <ac:spMk id="2" creationId="{A6413E33-4410-4F54-AEF5-30E4DDF3B6EB}"/>
-          </ac:spMkLst>
-        </pc:spChg>
-        <pc:spChg chg="mod">
-          <ac:chgData name="Jordan Lemite" userId="c0a9b13e6c570cf9" providerId="LiveId" clId="{BCB7B0BD-345F-400A-98AF-2FBDF84826BF}" dt="2020-04-29T17:13:17.584" v="1286" actId="20577"/>
-          <ac:spMkLst>
-            <pc:docMk/>
-            <pc:sldMk cId="3568510109" sldId="257"/>
-            <ac:spMk id="3" creationId="{8AA9676F-2DF8-47C5-B0B5-CA797EC55F1C}"/>
-          </ac:spMkLst>
-        </pc:spChg>
-      </pc:sldChg>
-      <pc:sldChg chg="addSp delSp modSp add mod setBg">
-        <pc:chgData name="Jordan Lemite" userId="c0a9b13e6c570cf9" providerId="LiveId" clId="{BCB7B0BD-345F-400A-98AF-2FBDF84826BF}" dt="2020-04-30T13:18:47.380" v="1600" actId="26606"/>
-        <pc:sldMkLst>
-          <pc:docMk/>
-          <pc:sldMk cId="4094800120" sldId="258"/>
-        </pc:sldMkLst>
-        <pc:spChg chg="mod">
-          <ac:chgData name="Jordan Lemite" userId="c0a9b13e6c570cf9" providerId="LiveId" clId="{BCB7B0BD-345F-400A-98AF-2FBDF84826BF}" dt="2020-04-30T13:18:47.380" v="1600" actId="26606"/>
-          <ac:spMkLst>
-            <pc:docMk/>
-            <pc:sldMk cId="4094800120" sldId="258"/>
-            <ac:spMk id="2" creationId="{64D0EC72-858C-4FD8-846A-8CA91B759F97}"/>
-          </ac:spMkLst>
-        </pc:spChg>
-        <pc:spChg chg="add del mod">
-          <ac:chgData name="Jordan Lemite" userId="c0a9b13e6c570cf9" providerId="LiveId" clId="{BCB7B0BD-345F-400A-98AF-2FBDF84826BF}" dt="2020-04-30T13:18:47.380" v="1600" actId="26606"/>
-          <ac:spMkLst>
-            <pc:docMk/>
-            <pc:sldMk cId="4094800120" sldId="258"/>
-            <ac:spMk id="3" creationId="{AC5EA99E-F648-4195-8F6C-EE1CBDAD217E}"/>
-          </ac:spMkLst>
-        </pc:spChg>
-        <pc:spChg chg="add del mod">
-          <ac:chgData name="Jordan Lemite" userId="c0a9b13e6c570cf9" providerId="LiveId" clId="{BCB7B0BD-345F-400A-98AF-2FBDF84826BF}" dt="2020-04-29T16:58:44.572" v="782"/>
-          <ac:spMkLst>
-            <pc:docMk/>
-            <pc:sldMk cId="4094800120" sldId="258"/>
-            <ac:spMk id="4" creationId="{D5C28BF8-DC80-493B-BB1D-24F0AB36FCCB}"/>
-          </ac:spMkLst>
-        </pc:spChg>
-        <pc:spChg chg="add del">
-          <ac:chgData name="Jordan Lemite" userId="c0a9b13e6c570cf9" providerId="LiveId" clId="{BCB7B0BD-345F-400A-98AF-2FBDF84826BF}" dt="2020-04-30T13:18:32.801" v="1597" actId="26606"/>
-          <ac:spMkLst>
-            <pc:docMk/>
-            <pc:sldMk cId="4094800120" sldId="258"/>
-            <ac:spMk id="10" creationId="{BDF02843-45E8-4403-8955-54CA98A197FD}"/>
-          </ac:spMkLst>
-        </pc:spChg>
-        <pc:spChg chg="add del">
-          <ac:chgData name="Jordan Lemite" userId="c0a9b13e6c570cf9" providerId="LiveId" clId="{BCB7B0BD-345F-400A-98AF-2FBDF84826BF}" dt="2020-04-30T13:18:32.801" v="1597" actId="26606"/>
-          <ac:spMkLst>
-            <pc:docMk/>
-            <pc:sldMk cId="4094800120" sldId="258"/>
-            <ac:spMk id="12" creationId="{DC349214-DD18-4CC5-BBAC-F9C216BE7C2F}"/>
-          </ac:spMkLst>
-        </pc:spChg>
-        <pc:graphicFrameChg chg="add del">
-          <ac:chgData name="Jordan Lemite" userId="c0a9b13e6c570cf9" providerId="LiveId" clId="{BCB7B0BD-345F-400A-98AF-2FBDF84826BF}" dt="2020-04-30T13:18:29.908" v="1595" actId="26606"/>
-          <ac:graphicFrameMkLst>
-            <pc:docMk/>
-            <pc:sldMk cId="4094800120" sldId="258"/>
-            <ac:graphicFrameMk id="5" creationId="{3A19C2DE-604A-4962-8852-F14CA14F7160}"/>
-          </ac:graphicFrameMkLst>
-        </pc:graphicFrameChg>
-        <pc:graphicFrameChg chg="add del">
-          <ac:chgData name="Jordan Lemite" userId="c0a9b13e6c570cf9" providerId="LiveId" clId="{BCB7B0BD-345F-400A-98AF-2FBDF84826BF}" dt="2020-04-30T13:18:32.801" v="1597" actId="26606"/>
-          <ac:graphicFrameMkLst>
-            <pc:docMk/>
-            <pc:sldMk cId="4094800120" sldId="258"/>
-            <ac:graphicFrameMk id="7" creationId="{848B8BF3-F976-497B-985B-FF1F87106E47}"/>
-          </ac:graphicFrameMkLst>
-        </pc:graphicFrameChg>
-        <pc:graphicFrameChg chg="add del">
-          <ac:chgData name="Jordan Lemite" userId="c0a9b13e6c570cf9" providerId="LiveId" clId="{BCB7B0BD-345F-400A-98AF-2FBDF84826BF}" dt="2020-04-30T13:18:47.337" v="1599" actId="26606"/>
-          <ac:graphicFrameMkLst>
-            <pc:docMk/>
-            <pc:sldMk cId="4094800120" sldId="258"/>
-            <ac:graphicFrameMk id="18" creationId="{BFF610ED-A4D5-4975-AF74-353F27E70E14}"/>
-          </ac:graphicFrameMkLst>
-        </pc:graphicFrameChg>
-        <pc:graphicFrameChg chg="add">
-          <ac:chgData name="Jordan Lemite" userId="c0a9b13e6c570cf9" providerId="LiveId" clId="{BCB7B0BD-345F-400A-98AF-2FBDF84826BF}" dt="2020-04-30T13:18:47.380" v="1600" actId="26606"/>
-          <ac:graphicFrameMkLst>
-            <pc:docMk/>
-            <pc:sldMk cId="4094800120" sldId="258"/>
-            <ac:graphicFrameMk id="20" creationId="{3A19C2DE-604A-4962-8852-F14CA14F7160}"/>
-          </ac:graphicFrameMkLst>
-        </pc:graphicFrameChg>
-        <pc:picChg chg="add del">
-          <ac:chgData name="Jordan Lemite" userId="c0a9b13e6c570cf9" providerId="LiveId" clId="{BCB7B0BD-345F-400A-98AF-2FBDF84826BF}" dt="2020-04-30T13:18:32.801" v="1597" actId="26606"/>
-          <ac:picMkLst>
-            <pc:docMk/>
-            <pc:sldMk cId="4094800120" sldId="258"/>
-            <ac:picMk id="14" creationId="{E505542F-438B-4C62-B13A-916C7F79EC10}"/>
-          </ac:picMkLst>
-        </pc:picChg>
-        <pc:picChg chg="add del">
-          <ac:chgData name="Jordan Lemite" userId="c0a9b13e6c570cf9" providerId="LiveId" clId="{BCB7B0BD-345F-400A-98AF-2FBDF84826BF}" dt="2020-04-30T13:18:32.801" v="1597" actId="26606"/>
-          <ac:picMkLst>
-            <pc:docMk/>
-            <pc:sldMk cId="4094800120" sldId="258"/>
-            <ac:picMk id="16" creationId="{154908BF-145E-4BE2-A6F0-0A464560144B}"/>
-          </ac:picMkLst>
-        </pc:picChg>
-        <pc:picChg chg="add del mod">
-          <ac:chgData name="Jordan Lemite" userId="c0a9b13e6c570cf9" providerId="LiveId" clId="{BCB7B0BD-345F-400A-98AF-2FBDF84826BF}" dt="2020-04-30T13:18:15.156" v="1593" actId="478"/>
-          <ac:picMkLst>
-            <pc:docMk/>
-            <pc:sldMk cId="4094800120" sldId="258"/>
-            <ac:picMk id="1026" creationId="{619BD472-1ED0-4A6C-A6E3-26C18FB68A49}"/>
-          </ac:picMkLst>
-        </pc:picChg>
-      </pc:sldChg>
-      <pc:sldChg chg="addSp modSp add">
-        <pc:chgData name="Jordan Lemite" userId="c0a9b13e6c570cf9" providerId="LiveId" clId="{BCB7B0BD-345F-400A-98AF-2FBDF84826BF}" dt="2020-04-30T13:25:41.373" v="2000" actId="313"/>
-        <pc:sldMkLst>
-          <pc:docMk/>
-          <pc:sldMk cId="4057835897" sldId="259"/>
-        </pc:sldMkLst>
-        <pc:spChg chg="mod">
-          <ac:chgData name="Jordan Lemite" userId="c0a9b13e6c570cf9" providerId="LiveId" clId="{BCB7B0BD-345F-400A-98AF-2FBDF84826BF}" dt="2020-04-30T13:16:03.052" v="1591" actId="20577"/>
-          <ac:spMkLst>
-            <pc:docMk/>
-            <pc:sldMk cId="4057835897" sldId="259"/>
-            <ac:spMk id="2" creationId="{547C6373-2F27-46F8-AFF0-4BB373685831}"/>
-          </ac:spMkLst>
-        </pc:spChg>
-        <pc:spChg chg="mod">
-          <ac:chgData name="Jordan Lemite" userId="c0a9b13e6c570cf9" providerId="LiveId" clId="{BCB7B0BD-345F-400A-98AF-2FBDF84826BF}" dt="2020-04-30T13:25:41.373" v="2000" actId="313"/>
-          <ac:spMkLst>
-            <pc:docMk/>
-            <pc:sldMk cId="4057835897" sldId="259"/>
-            <ac:spMk id="3" creationId="{91920277-39BB-4F78-AA0D-32A2F5B031D2}"/>
-          </ac:spMkLst>
-        </pc:spChg>
-        <pc:picChg chg="add mod">
-          <ac:chgData name="Jordan Lemite" userId="c0a9b13e6c570cf9" providerId="LiveId" clId="{BCB7B0BD-345F-400A-98AF-2FBDF84826BF}" dt="2020-04-30T13:22:37.654" v="1951" actId="14100"/>
-          <ac:picMkLst>
-            <pc:docMk/>
-            <pc:sldMk cId="4057835897" sldId="259"/>
-            <ac:picMk id="2050" creationId="{F1EDCE3F-0A6F-4E4B-A9D9-84D780E51CCF}"/>
-          </ac:picMkLst>
-        </pc:picChg>
-        <pc:picChg chg="add mod">
-          <ac:chgData name="Jordan Lemite" userId="c0a9b13e6c570cf9" providerId="LiveId" clId="{BCB7B0BD-345F-400A-98AF-2FBDF84826BF}" dt="2020-04-30T13:22:57.286" v="1953" actId="1076"/>
-          <ac:picMkLst>
-            <pc:docMk/>
-            <pc:sldMk cId="4057835897" sldId="259"/>
-            <ac:picMk id="2052" creationId="{F6F2AE33-2934-45FF-BEB2-C4AF8E219EFC}"/>
-          </ac:picMkLst>
-        </pc:picChg>
-      </pc:sldChg>
-      <pc:sldChg chg="addSp modSp add mod setBg setClrOvrMap">
-        <pc:chgData name="Jordan Lemite" userId="c0a9b13e6c570cf9" providerId="LiveId" clId="{BCB7B0BD-345F-400A-98AF-2FBDF84826BF}" dt="2020-04-30T13:30:14.270" v="2319" actId="26606"/>
-        <pc:sldMkLst>
-          <pc:docMk/>
-          <pc:sldMk cId="1916892349" sldId="260"/>
-        </pc:sldMkLst>
-        <pc:spChg chg="mod">
-          <ac:chgData name="Jordan Lemite" userId="c0a9b13e6c570cf9" providerId="LiveId" clId="{BCB7B0BD-345F-400A-98AF-2FBDF84826BF}" dt="2020-04-30T13:30:14.270" v="2319" actId="26606"/>
-          <ac:spMkLst>
-            <pc:docMk/>
-            <pc:sldMk cId="1916892349" sldId="260"/>
-            <ac:spMk id="2" creationId="{4A6E91E5-3BF8-4CF2-8C41-7DFAD5EC70E0}"/>
-          </ac:spMkLst>
-        </pc:spChg>
-        <pc:spChg chg="mod">
-          <ac:chgData name="Jordan Lemite" userId="c0a9b13e6c570cf9" providerId="LiveId" clId="{BCB7B0BD-345F-400A-98AF-2FBDF84826BF}" dt="2020-04-30T13:30:14.270" v="2319" actId="26606"/>
-          <ac:spMkLst>
-            <pc:docMk/>
-            <pc:sldMk cId="1916892349" sldId="260"/>
-            <ac:spMk id="3" creationId="{A5D41F8D-3880-4588-86A5-7857468221CE}"/>
-          </ac:spMkLst>
-        </pc:spChg>
-        <pc:spChg chg="add">
-          <ac:chgData name="Jordan Lemite" userId="c0a9b13e6c570cf9" providerId="LiveId" clId="{BCB7B0BD-345F-400A-98AF-2FBDF84826BF}" dt="2020-04-30T13:30:14.270" v="2319" actId="26606"/>
-          <ac:spMkLst>
-            <pc:docMk/>
-            <pc:sldMk cId="1916892349" sldId="260"/>
-            <ac:spMk id="73" creationId="{6329262A-BBAC-4ED5-BACF-96B3DD02433F}"/>
-          </ac:spMkLst>
-        </pc:spChg>
-        <pc:picChg chg="add">
-          <ac:chgData name="Jordan Lemite" userId="c0a9b13e6c570cf9" providerId="LiveId" clId="{BCB7B0BD-345F-400A-98AF-2FBDF84826BF}" dt="2020-04-30T13:30:14.270" v="2319" actId="26606"/>
-          <ac:picMkLst>
-            <pc:docMk/>
-            <pc:sldMk cId="1916892349" sldId="260"/>
-            <ac:picMk id="71" creationId="{CC5A98D3-A8B5-41F7-A61B-F6238BF50A30}"/>
-          </ac:picMkLst>
-        </pc:picChg>
-        <pc:picChg chg="add mod ord">
-          <ac:chgData name="Jordan Lemite" userId="c0a9b13e6c570cf9" providerId="LiveId" clId="{BCB7B0BD-345F-400A-98AF-2FBDF84826BF}" dt="2020-04-30T13:30:14.270" v="2319" actId="26606"/>
-          <ac:picMkLst>
-            <pc:docMk/>
-            <pc:sldMk cId="1916892349" sldId="260"/>
-            <ac:picMk id="3074" creationId="{6FCD65D2-C05B-476A-95EB-73468F199D42}"/>
-          </ac:picMkLst>
-        </pc:picChg>
-      </pc:sldChg>
-      <pc:sldChg chg="addSp delSp modSp add">
-        <pc:chgData name="Jordan Lemite" userId="c0a9b13e6c570cf9" providerId="LiveId" clId="{BCB7B0BD-345F-400A-98AF-2FBDF84826BF}" dt="2020-04-30T13:50:32.883" v="2805" actId="1076"/>
-        <pc:sldMkLst>
-          <pc:docMk/>
-          <pc:sldMk cId="159121432" sldId="261"/>
-        </pc:sldMkLst>
-        <pc:spChg chg="mod">
-          <ac:chgData name="Jordan Lemite" userId="c0a9b13e6c570cf9" providerId="LiveId" clId="{BCB7B0BD-345F-400A-98AF-2FBDF84826BF}" dt="2020-04-30T13:49:47.897" v="2802" actId="1076"/>
-          <ac:spMkLst>
-            <pc:docMk/>
-            <pc:sldMk cId="159121432" sldId="261"/>
-            <ac:spMk id="2" creationId="{59655853-E865-49FF-9751-AADB5A25863B}"/>
-          </ac:spMkLst>
-        </pc:spChg>
-        <pc:spChg chg="mod">
-          <ac:chgData name="Jordan Lemite" userId="c0a9b13e6c570cf9" providerId="LiveId" clId="{BCB7B0BD-345F-400A-98AF-2FBDF84826BF}" dt="2020-04-30T13:33:36.624" v="2388" actId="14100"/>
-          <ac:spMkLst>
-            <pc:docMk/>
-            <pc:sldMk cId="159121432" sldId="261"/>
-            <ac:spMk id="3" creationId="{616C3554-22F8-4C3F-9F44-685289647A1F}"/>
-          </ac:spMkLst>
-        </pc:spChg>
-        <pc:picChg chg="add del mod">
-          <ac:chgData name="Jordan Lemite" userId="c0a9b13e6c570cf9" providerId="LiveId" clId="{BCB7B0BD-345F-400A-98AF-2FBDF84826BF}" dt="2020-04-30T13:33:52.160" v="2392" actId="478"/>
-          <ac:picMkLst>
-            <pc:docMk/>
-            <pc:sldMk cId="159121432" sldId="261"/>
-            <ac:picMk id="4098" creationId="{312DC093-CEEA-4A2F-B963-C38754EA6CE8}"/>
-          </ac:picMkLst>
-        </pc:picChg>
-        <pc:picChg chg="add del">
-          <ac:chgData name="Jordan Lemite" userId="c0a9b13e6c570cf9" providerId="LiveId" clId="{BCB7B0BD-345F-400A-98AF-2FBDF84826BF}" dt="2020-04-30T13:34:29.120" v="2394"/>
-          <ac:picMkLst>
-            <pc:docMk/>
-            <pc:sldMk cId="159121432" sldId="261"/>
-            <ac:picMk id="4100" creationId="{D64EC27C-24CE-47D5-813C-4980B880F146}"/>
-          </ac:picMkLst>
-        </pc:picChg>
-        <pc:picChg chg="add mod">
-          <ac:chgData name="Jordan Lemite" userId="c0a9b13e6c570cf9" providerId="LiveId" clId="{BCB7B0BD-345F-400A-98AF-2FBDF84826BF}" dt="2020-04-30T13:49:42.603" v="2801" actId="167"/>
-          <ac:picMkLst>
-            <pc:docMk/>
-            <pc:sldMk cId="159121432" sldId="261"/>
-            <ac:picMk id="4102" creationId="{4033477C-93D7-4FBB-930A-0B784BFA10BA}"/>
-          </ac:picMkLst>
-        </pc:picChg>
-        <pc:picChg chg="add mod">
-          <ac:chgData name="Jordan Lemite" userId="c0a9b13e6c570cf9" providerId="LiveId" clId="{BCB7B0BD-345F-400A-98AF-2FBDF84826BF}" dt="2020-04-30T13:50:32.883" v="2805" actId="1076"/>
-          <ac:picMkLst>
-            <pc:docMk/>
-            <pc:sldMk cId="159121432" sldId="261"/>
-            <ac:picMk id="4104" creationId="{3D895379-75B4-491D-9D98-961B008285A3}"/>
-          </ac:picMkLst>
-        </pc:picChg>
-      </pc:sldChg>
-      <pc:sldChg chg="addSp modSp add mod setBg setClrOvrMap">
-        <pc:chgData name="Jordan Lemite" userId="c0a9b13e6c570cf9" providerId="LiveId" clId="{BCB7B0BD-345F-400A-98AF-2FBDF84826BF}" dt="2020-04-30T13:44:22.199" v="2716" actId="20577"/>
-        <pc:sldMkLst>
-          <pc:docMk/>
-          <pc:sldMk cId="4069827397" sldId="262"/>
-        </pc:sldMkLst>
-        <pc:spChg chg="mod">
-          <ac:chgData name="Jordan Lemite" userId="c0a9b13e6c570cf9" providerId="LiveId" clId="{BCB7B0BD-345F-400A-98AF-2FBDF84826BF}" dt="2020-04-30T13:39:45.194" v="2445" actId="26606"/>
-          <ac:spMkLst>
-            <pc:docMk/>
-            <pc:sldMk cId="4069827397" sldId="262"/>
-            <ac:spMk id="2" creationId="{EEFC5D79-52AF-469F-B622-5228547C381A}"/>
-          </ac:spMkLst>
-        </pc:spChg>
-        <pc:spChg chg="mod">
-          <ac:chgData name="Jordan Lemite" userId="c0a9b13e6c570cf9" providerId="LiveId" clId="{BCB7B0BD-345F-400A-98AF-2FBDF84826BF}" dt="2020-04-30T13:44:22.199" v="2716" actId="20577"/>
-          <ac:spMkLst>
-            <pc:docMk/>
-            <pc:sldMk cId="4069827397" sldId="262"/>
-            <ac:spMk id="3" creationId="{770C196B-FF0B-4694-BE9C-6295BF2C28B5}"/>
-          </ac:spMkLst>
-        </pc:spChg>
-        <pc:spChg chg="add">
-          <ac:chgData name="Jordan Lemite" userId="c0a9b13e6c570cf9" providerId="LiveId" clId="{BCB7B0BD-345F-400A-98AF-2FBDF84826BF}" dt="2020-04-30T13:39:45.194" v="2445" actId="26606"/>
-          <ac:spMkLst>
-            <pc:docMk/>
-            <pc:sldMk cId="4069827397" sldId="262"/>
-            <ac:spMk id="73" creationId="{6329262A-BBAC-4ED5-BACF-96B3DD02433F}"/>
-          </ac:spMkLst>
-        </pc:spChg>
-        <pc:picChg chg="add">
-          <ac:chgData name="Jordan Lemite" userId="c0a9b13e6c570cf9" providerId="LiveId" clId="{BCB7B0BD-345F-400A-98AF-2FBDF84826BF}" dt="2020-04-30T13:39:45.194" v="2445" actId="26606"/>
-          <ac:picMkLst>
-            <pc:docMk/>
-            <pc:sldMk cId="4069827397" sldId="262"/>
-            <ac:picMk id="71" creationId="{CC5A98D3-A8B5-41F7-A61B-F6238BF50A30}"/>
-          </ac:picMkLst>
-        </pc:picChg>
-        <pc:picChg chg="add mod ord">
-          <ac:chgData name="Jordan Lemite" userId="c0a9b13e6c570cf9" providerId="LiveId" clId="{BCB7B0BD-345F-400A-98AF-2FBDF84826BF}" dt="2020-04-30T13:39:45.194" v="2445" actId="26606"/>
-          <ac:picMkLst>
-            <pc:docMk/>
-            <pc:sldMk cId="4069827397" sldId="262"/>
-            <ac:picMk id="5122" creationId="{918B1759-DCE5-4BD1-97DC-5F07AA25C06A}"/>
-          </ac:picMkLst>
-        </pc:picChg>
-      </pc:sldChg>
-      <pc:sldChg chg="addSp delSp modSp add mod setBg">
-        <pc:chgData name="Jordan Lemite" userId="c0a9b13e6c570cf9" providerId="LiveId" clId="{BCB7B0BD-345F-400A-98AF-2FBDF84826BF}" dt="2020-04-30T13:56:04.250" v="3098" actId="26606"/>
-        <pc:sldMkLst>
-          <pc:docMk/>
-          <pc:sldMk cId="422166374" sldId="263"/>
-        </pc:sldMkLst>
-        <pc:spChg chg="mod ord">
-          <ac:chgData name="Jordan Lemite" userId="c0a9b13e6c570cf9" providerId="LiveId" clId="{BCB7B0BD-345F-400A-98AF-2FBDF84826BF}" dt="2020-04-30T13:56:04.250" v="3098" actId="26606"/>
-          <ac:spMkLst>
-            <pc:docMk/>
-            <pc:sldMk cId="422166374" sldId="263"/>
-            <ac:spMk id="2" creationId="{62E2E7F8-8C0B-4A79-A39B-945700A808DB}"/>
-          </ac:spMkLst>
-        </pc:spChg>
-        <pc:spChg chg="del">
-          <ac:chgData name="Jordan Lemite" userId="c0a9b13e6c570cf9" providerId="LiveId" clId="{BCB7B0BD-345F-400A-98AF-2FBDF84826BF}" dt="2020-04-30T13:45:48.094" v="2786" actId="478"/>
-          <ac:spMkLst>
-            <pc:docMk/>
-            <pc:sldMk cId="422166374" sldId="263"/>
-            <ac:spMk id="3" creationId="{BD0399FD-D4A6-408F-B19E-57F999F38548}"/>
-          </ac:spMkLst>
-        </pc:spChg>
-        <pc:spChg chg="add del mod">
-          <ac:chgData name="Jordan Lemite" userId="c0a9b13e6c570cf9" providerId="LiveId" clId="{BCB7B0BD-345F-400A-98AF-2FBDF84826BF}" dt="2020-04-30T13:52:59.903" v="2921"/>
-          <ac:spMkLst>
-            <pc:docMk/>
-            <pc:sldMk cId="422166374" sldId="263"/>
-            <ac:spMk id="4" creationId="{FF5ABFD3-9E67-4D96-9E87-D651DD3217F2}"/>
-          </ac:spMkLst>
-        </pc:spChg>
-        <pc:spChg chg="add del mod">
-          <ac:chgData name="Jordan Lemite" userId="c0a9b13e6c570cf9" providerId="LiveId" clId="{BCB7B0BD-345F-400A-98AF-2FBDF84826BF}" dt="2020-04-30T13:53:26.812" v="2926"/>
-          <ac:spMkLst>
-            <pc:docMk/>
-            <pc:sldMk cId="422166374" sldId="263"/>
-            <ac:spMk id="5" creationId="{9DF7BDD3-EFCB-4F0D-A149-8311D867E515}"/>
-          </ac:spMkLst>
-        </pc:spChg>
-        <pc:spChg chg="add mod ord">
-          <ac:chgData name="Jordan Lemite" userId="c0a9b13e6c570cf9" providerId="LiveId" clId="{BCB7B0BD-345F-400A-98AF-2FBDF84826BF}" dt="2020-04-30T13:56:04.250" v="3098" actId="26606"/>
-          <ac:spMkLst>
-            <pc:docMk/>
-            <pc:sldMk cId="422166374" sldId="263"/>
-            <ac:spMk id="6" creationId="{F3BE088E-C33D-4DCF-BA65-C1BA39947388}"/>
-          </ac:spMkLst>
-        </pc:spChg>
-        <pc:spChg chg="add del">
-          <ac:chgData name="Jordan Lemite" userId="c0a9b13e6c570cf9" providerId="LiveId" clId="{BCB7B0BD-345F-400A-98AF-2FBDF84826BF}" dt="2020-04-30T13:55:41.076" v="3084" actId="26606"/>
-          <ac:spMkLst>
-            <pc:docMk/>
-            <pc:sldMk cId="422166374" sldId="263"/>
-            <ac:spMk id="75" creationId="{7F66E871-5A74-42F6-A98E-9B8EB467C694}"/>
-          </ac:spMkLst>
-        </pc:spChg>
-        <pc:spChg chg="add del">
-          <ac:chgData name="Jordan Lemite" userId="c0a9b13e6c570cf9" providerId="LiveId" clId="{BCB7B0BD-345F-400A-98AF-2FBDF84826BF}" dt="2020-04-30T13:55:41.076" v="3084" actId="26606"/>
-          <ac:spMkLst>
-            <pc:docMk/>
-            <pc:sldMk cId="422166374" sldId="263"/>
-            <ac:spMk id="79" creationId="{3ED00DA4-8766-415C-9C70-BF07FACF3C54}"/>
-          </ac:spMkLst>
-        </pc:spChg>
-        <pc:spChg chg="add del">
-          <ac:chgData name="Jordan Lemite" userId="c0a9b13e6c570cf9" providerId="LiveId" clId="{BCB7B0BD-345F-400A-98AF-2FBDF84826BF}" dt="2020-04-30T13:55:41.076" v="3084" actId="26606"/>
-          <ac:spMkLst>
-            <pc:docMk/>
-            <pc:sldMk cId="422166374" sldId="263"/>
-            <ac:spMk id="83" creationId="{9B7C72AB-55ED-47C0-8FEB-32CE03F92A42}"/>
-          </ac:spMkLst>
-        </pc:spChg>
-        <pc:spChg chg="add del">
-          <ac:chgData name="Jordan Lemite" userId="c0a9b13e6c570cf9" providerId="LiveId" clId="{BCB7B0BD-345F-400A-98AF-2FBDF84826BF}" dt="2020-04-30T13:55:43.673" v="3086" actId="26606"/>
-          <ac:spMkLst>
-            <pc:docMk/>
-            <pc:sldMk cId="422166374" sldId="263"/>
-            <ac:spMk id="6152" creationId="{FB4206F5-8F72-4E4F-9271-E4599F537365}"/>
-          </ac:spMkLst>
-        </pc:spChg>
-        <pc:spChg chg="add del">
-          <ac:chgData name="Jordan Lemite" userId="c0a9b13e6c570cf9" providerId="LiveId" clId="{BCB7B0BD-345F-400A-98AF-2FBDF84826BF}" dt="2020-04-30T13:55:43.673" v="3086" actId="26606"/>
-          <ac:spMkLst>
-            <pc:docMk/>
-            <pc:sldMk cId="422166374" sldId="263"/>
-            <ac:spMk id="6154" creationId="{23A6F348-3F77-49D0-B620-EAE6E7933E48}"/>
-          </ac:spMkLst>
-        </pc:spChg>
-        <pc:spChg chg="add del">
-          <ac:chgData name="Jordan Lemite" userId="c0a9b13e6c570cf9" providerId="LiveId" clId="{BCB7B0BD-345F-400A-98AF-2FBDF84826BF}" dt="2020-04-30T13:55:54.382" v="3094" actId="26606"/>
-          <ac:spMkLst>
-            <pc:docMk/>
-            <pc:sldMk cId="422166374" sldId="263"/>
-            <ac:spMk id="6156" creationId="{405D652C-39F8-45E8-80BF-22690BA3D73C}"/>
-          </ac:spMkLst>
-        </pc:spChg>
-        <pc:picChg chg="add del">
-          <ac:chgData name="Jordan Lemite" userId="c0a9b13e6c570cf9" providerId="LiveId" clId="{BCB7B0BD-345F-400A-98AF-2FBDF84826BF}" dt="2020-04-30T13:55:41.076" v="3084" actId="26606"/>
-          <ac:picMkLst>
-            <pc:docMk/>
-            <pc:sldMk cId="422166374" sldId="263"/>
-            <ac:picMk id="77" creationId="{0052008C-0213-44BD-BABB-FFF7C58FB82E}"/>
-          </ac:picMkLst>
-        </pc:picChg>
-        <pc:picChg chg="add del">
-          <ac:chgData name="Jordan Lemite" userId="c0a9b13e6c570cf9" providerId="LiveId" clId="{BCB7B0BD-345F-400A-98AF-2FBDF84826BF}" dt="2020-04-30T13:55:41.076" v="3084" actId="26606"/>
-          <ac:picMkLst>
-            <pc:docMk/>
-            <pc:sldMk cId="422166374" sldId="263"/>
-            <ac:picMk id="85" creationId="{45D6C52C-C3C6-4B1B-9836-30C6AD0CB8CA}"/>
-          </ac:picMkLst>
-        </pc:picChg>
-        <pc:picChg chg="add mod ord">
-          <ac:chgData name="Jordan Lemite" userId="c0a9b13e6c570cf9" providerId="LiveId" clId="{BCB7B0BD-345F-400A-98AF-2FBDF84826BF}" dt="2020-04-30T13:56:04.250" v="3098" actId="26606"/>
-          <ac:picMkLst>
-            <pc:docMk/>
-            <pc:sldMk cId="422166374" sldId="263"/>
-            <ac:picMk id="6146" creationId="{315B363D-776B-4DA4-AAFB-D5256CA477C7}"/>
-          </ac:picMkLst>
-        </pc:picChg>
-        <pc:picChg chg="add mod ord">
-          <ac:chgData name="Jordan Lemite" userId="c0a9b13e6c570cf9" providerId="LiveId" clId="{BCB7B0BD-345F-400A-98AF-2FBDF84826BF}" dt="2020-04-30T13:56:04.250" v="3098" actId="26606"/>
-          <ac:picMkLst>
-            <pc:docMk/>
-            <pc:sldMk cId="422166374" sldId="263"/>
-            <ac:picMk id="6148" creationId="{ADEC9537-FB65-4B6E-A0C3-315A0C3A8D9A}"/>
-          </ac:picMkLst>
-        </pc:picChg>
-        <pc:picChg chg="add mod ord">
-          <ac:chgData name="Jordan Lemite" userId="c0a9b13e6c570cf9" providerId="LiveId" clId="{BCB7B0BD-345F-400A-98AF-2FBDF84826BF}" dt="2020-04-30T13:56:04.250" v="3098" actId="26606"/>
-          <ac:picMkLst>
-            <pc:docMk/>
-            <pc:sldMk cId="422166374" sldId="263"/>
-            <ac:picMk id="6150" creationId="{482A251B-F329-4439-9E32-B7856FFF5D34}"/>
-          </ac:picMkLst>
-        </pc:picChg>
-        <pc:picChg chg="add del">
-          <ac:chgData name="Jordan Lemite" userId="c0a9b13e6c570cf9" providerId="LiveId" clId="{BCB7B0BD-345F-400A-98AF-2FBDF84826BF}" dt="2020-04-30T13:55:43.673" v="3086" actId="26606"/>
-          <ac:picMkLst>
-            <pc:docMk/>
-            <pc:sldMk cId="422166374" sldId="263"/>
-            <ac:picMk id="6153" creationId="{AD77F43E-4335-4E90-9DF6-39772C84CF91}"/>
-          </ac:picMkLst>
-        </pc:picChg>
-        <pc:picChg chg="add del">
-          <ac:chgData name="Jordan Lemite" userId="c0a9b13e6c570cf9" providerId="LiveId" clId="{BCB7B0BD-345F-400A-98AF-2FBDF84826BF}" dt="2020-04-30T13:55:43.673" v="3086" actId="26606"/>
-          <ac:picMkLst>
-            <pc:docMk/>
-            <pc:sldMk cId="422166374" sldId="263"/>
-            <ac:picMk id="6155" creationId="{BE13D566-C8FB-49B4-8278-E64DDFE8F11D}"/>
-          </ac:picMkLst>
-        </pc:picChg>
-        <pc:cxnChg chg="add del">
-          <ac:chgData name="Jordan Lemite" userId="c0a9b13e6c570cf9" providerId="LiveId" clId="{BCB7B0BD-345F-400A-98AF-2FBDF84826BF}" dt="2020-04-30T13:55:41.076" v="3084" actId="26606"/>
-          <ac:cxnSpMkLst>
-            <pc:docMk/>
-            <pc:sldMk cId="422166374" sldId="263"/>
-            <ac:cxnSpMk id="81" creationId="{E732A3CD-61B0-41F6-BEB6-1DED0D3DAF40}"/>
-          </ac:cxnSpMkLst>
-        </pc:cxnChg>
-      </pc:sldChg>
-      <pc:sldChg chg="addSp delSp modSp add mod setBg">
-        <pc:chgData name="Jordan Lemite" userId="c0a9b13e6c570cf9" providerId="LiveId" clId="{BCB7B0BD-345F-400A-98AF-2FBDF84826BF}" dt="2020-04-30T14:09:59.552" v="3531"/>
-        <pc:sldMkLst>
-          <pc:docMk/>
-          <pc:sldMk cId="2155913876" sldId="264"/>
-        </pc:sldMkLst>
-        <pc:spChg chg="mod">
-          <ac:chgData name="Jordan Lemite" userId="c0a9b13e6c570cf9" providerId="LiveId" clId="{BCB7B0BD-345F-400A-98AF-2FBDF84826BF}" dt="2020-04-30T14:09:03.917" v="3519" actId="1076"/>
-          <ac:spMkLst>
-            <pc:docMk/>
-            <pc:sldMk cId="2155913876" sldId="264"/>
-            <ac:spMk id="2" creationId="{57ABC219-E111-4D3B-A303-9D8FE5570523}"/>
-          </ac:spMkLst>
-        </pc:spChg>
-        <pc:spChg chg="del mod">
-          <ac:chgData name="Jordan Lemite" userId="c0a9b13e6c570cf9" providerId="LiveId" clId="{BCB7B0BD-345F-400A-98AF-2FBDF84826BF}" dt="2020-04-30T14:08:11.570" v="3514" actId="26606"/>
-          <ac:spMkLst>
-            <pc:docMk/>
-            <pc:sldMk cId="2155913876" sldId="264"/>
-            <ac:spMk id="3" creationId="{4FF01009-0FB4-4D21-A28E-DCE0588A0146}"/>
-          </ac:spMkLst>
-        </pc:spChg>
-        <pc:graphicFrameChg chg="add mod">
-          <ac:chgData name="Jordan Lemite" userId="c0a9b13e6c570cf9" providerId="LiveId" clId="{BCB7B0BD-345F-400A-98AF-2FBDF84826BF}" dt="2020-04-30T14:09:59.552" v="3531"/>
-          <ac:graphicFrameMkLst>
-            <pc:docMk/>
-            <pc:sldMk cId="2155913876" sldId="264"/>
-            <ac:graphicFrameMk id="5" creationId="{A5C9291B-CC96-4F80-9850-1E2C4C6305B2}"/>
-          </ac:graphicFrameMkLst>
-        </pc:graphicFrameChg>
-        <pc:picChg chg="add mod">
-          <ac:chgData name="Jordan Lemite" userId="c0a9b13e6c570cf9" providerId="LiveId" clId="{BCB7B0BD-345F-400A-98AF-2FBDF84826BF}" dt="2020-04-30T14:09:53.779" v="3530" actId="1076"/>
-          <ac:picMkLst>
-            <pc:docMk/>
-            <pc:sldMk cId="2155913876" sldId="264"/>
-            <ac:picMk id="7170" creationId="{91A4E7B6-503F-44D3-BEA9-AFD4CFB6C9B7}"/>
-          </ac:picMkLst>
-        </pc:picChg>
-        <pc:picChg chg="add mod">
-          <ac:chgData name="Jordan Lemite" userId="c0a9b13e6c570cf9" providerId="LiveId" clId="{BCB7B0BD-345F-400A-98AF-2FBDF84826BF}" dt="2020-04-30T14:09:50.229" v="3529" actId="1076"/>
-          <ac:picMkLst>
-            <pc:docMk/>
-            <pc:sldMk cId="2155913876" sldId="264"/>
-            <ac:picMk id="7172" creationId="{38D950B7-C31F-485F-81CF-755B853CC0E8}"/>
-          </ac:picMkLst>
-        </pc:picChg>
-      </pc:sldChg>
-      <pc:sldChg chg="modSp add">
-        <pc:chgData name="Jordan Lemite" userId="c0a9b13e6c570cf9" providerId="LiveId" clId="{BCB7B0BD-345F-400A-98AF-2FBDF84826BF}" dt="2020-04-30T14:17:25.078" v="3814" actId="5793"/>
-        <pc:sldMkLst>
-          <pc:docMk/>
-          <pc:sldMk cId="668945446" sldId="265"/>
-        </pc:sldMkLst>
-        <pc:spChg chg="mod">
-          <ac:chgData name="Jordan Lemite" userId="c0a9b13e6c570cf9" providerId="LiveId" clId="{BCB7B0BD-345F-400A-98AF-2FBDF84826BF}" dt="2020-04-30T14:10:20.415" v="3552" actId="20577"/>
-          <ac:spMkLst>
-            <pc:docMk/>
-            <pc:sldMk cId="668945446" sldId="265"/>
-            <ac:spMk id="2" creationId="{36080446-B23D-481A-B90C-201C28437695}"/>
-          </ac:spMkLst>
-        </pc:spChg>
-        <pc:spChg chg="mod">
-          <ac:chgData name="Jordan Lemite" userId="c0a9b13e6c570cf9" providerId="LiveId" clId="{BCB7B0BD-345F-400A-98AF-2FBDF84826BF}" dt="2020-04-30T14:17:25.078" v="3814" actId="5793"/>
-          <ac:spMkLst>
-            <pc:docMk/>
-            <pc:sldMk cId="668945446" sldId="265"/>
-            <ac:spMk id="3" creationId="{0CEDEA1C-74E0-4A13-92F8-DC87140A07E1}"/>
-          </ac:spMkLst>
-        </pc:spChg>
-      </pc:sldChg>
-      <pc:sldChg chg="addSp delSp modSp add">
-        <pc:chgData name="Jordan Lemite" userId="c0a9b13e6c570cf9" providerId="LiveId" clId="{BCB7B0BD-345F-400A-98AF-2FBDF84826BF}" dt="2020-04-30T14:18:54.477" v="3852" actId="14100"/>
-        <pc:sldMkLst>
-          <pc:docMk/>
-          <pc:sldMk cId="3319356420" sldId="266"/>
-        </pc:sldMkLst>
-        <pc:spChg chg="mod">
-          <ac:chgData name="Jordan Lemite" userId="c0a9b13e6c570cf9" providerId="LiveId" clId="{BCB7B0BD-345F-400A-98AF-2FBDF84826BF}" dt="2020-04-30T14:17:36.164" v="3845" actId="20577"/>
-          <ac:spMkLst>
-            <pc:docMk/>
-            <pc:sldMk cId="3319356420" sldId="266"/>
-            <ac:spMk id="2" creationId="{5A0C3973-269F-44E1-B760-F8F82ECD3CD0}"/>
-          </ac:spMkLst>
-        </pc:spChg>
-        <pc:spChg chg="del">
-          <ac:chgData name="Jordan Lemite" userId="c0a9b13e6c570cf9" providerId="LiveId" clId="{BCB7B0BD-345F-400A-98AF-2FBDF84826BF}" dt="2020-04-30T14:17:46.741" v="3846"/>
-          <ac:spMkLst>
-            <pc:docMk/>
-            <pc:sldMk cId="3319356420" sldId="266"/>
-            <ac:spMk id="3" creationId="{F0881B46-60F3-48D4-A038-D24AA65AD392}"/>
-          </ac:spMkLst>
-        </pc:spChg>
-        <pc:picChg chg="add mod">
-          <ac:chgData name="Jordan Lemite" userId="c0a9b13e6c570cf9" providerId="LiveId" clId="{BCB7B0BD-345F-400A-98AF-2FBDF84826BF}" dt="2020-04-30T14:18:54.477" v="3852" actId="14100"/>
-          <ac:picMkLst>
-            <pc:docMk/>
-            <pc:sldMk cId="3319356420" sldId="266"/>
-            <ac:picMk id="8194" creationId="{B7BFA0F1-2144-46D2-96F6-8CF81A58B5A6}"/>
-          </ac:picMkLst>
-        </pc:picChg>
-        <pc:picChg chg="add mod">
-          <ac:chgData name="Jordan Lemite" userId="c0a9b13e6c570cf9" providerId="LiveId" clId="{BCB7B0BD-345F-400A-98AF-2FBDF84826BF}" dt="2020-04-30T14:18:49.433" v="3851" actId="14100"/>
-          <ac:picMkLst>
-            <pc:docMk/>
-            <pc:sldMk cId="3319356420" sldId="266"/>
-            <ac:picMk id="8196" creationId="{862CE17B-3A59-44BC-AE91-BD39C4DDD396}"/>
-          </ac:picMkLst>
-        </pc:picChg>
-      </pc:sldChg>
-      <pc:sldChg chg="addSp delSp modSp add mod setBg">
-        <pc:chgData name="Jordan Lemite" userId="c0a9b13e6c570cf9" providerId="LiveId" clId="{BCB7B0BD-345F-400A-98AF-2FBDF84826BF}" dt="2020-04-30T14:30:39.995" v="4374" actId="1076"/>
-        <pc:sldMkLst>
-          <pc:docMk/>
-          <pc:sldMk cId="2194058446" sldId="267"/>
-        </pc:sldMkLst>
-        <pc:spChg chg="mod">
-          <ac:chgData name="Jordan Lemite" userId="c0a9b13e6c570cf9" providerId="LiveId" clId="{BCB7B0BD-345F-400A-98AF-2FBDF84826BF}" dt="2020-04-30T14:29:24.416" v="4365" actId="1076"/>
-          <ac:spMkLst>
-            <pc:docMk/>
-            <pc:sldMk cId="2194058446" sldId="267"/>
-            <ac:spMk id="2" creationId="{A7B45129-3438-4643-B5FC-A231F9B7A78D}"/>
-          </ac:spMkLst>
-        </pc:spChg>
-        <pc:spChg chg="add del mod">
-          <ac:chgData name="Jordan Lemite" userId="c0a9b13e6c570cf9" providerId="LiveId" clId="{BCB7B0BD-345F-400A-98AF-2FBDF84826BF}" dt="2020-04-30T14:26:30.190" v="4337" actId="26606"/>
-          <ac:spMkLst>
-            <pc:docMk/>
-            <pc:sldMk cId="2194058446" sldId="267"/>
-            <ac:spMk id="3" creationId="{DC3891E9-736C-4C69-9D44-116AE400438C}"/>
-          </ac:spMkLst>
-        </pc:spChg>
-        <pc:spChg chg="add del">
-          <ac:chgData name="Jordan Lemite" userId="c0a9b13e6c570cf9" providerId="LiveId" clId="{BCB7B0BD-345F-400A-98AF-2FBDF84826BF}" dt="2020-04-30T14:26:30.157" v="4336" actId="26606"/>
-          <ac:spMkLst>
-            <pc:docMk/>
-            <pc:sldMk cId="2194058446" sldId="267"/>
-            <ac:spMk id="10" creationId="{BDF02843-45E8-4403-8955-54CA98A197FD}"/>
-          </ac:spMkLst>
-        </pc:spChg>
-        <pc:spChg chg="add del">
-          <ac:chgData name="Jordan Lemite" userId="c0a9b13e6c570cf9" providerId="LiveId" clId="{BCB7B0BD-345F-400A-98AF-2FBDF84826BF}" dt="2020-04-30T14:26:30.157" v="4336" actId="26606"/>
-          <ac:spMkLst>
-            <pc:docMk/>
-            <pc:sldMk cId="2194058446" sldId="267"/>
-            <ac:spMk id="12" creationId="{DC349214-DD18-4CC5-BBAC-F9C216BE7C2F}"/>
-          </ac:spMkLst>
-        </pc:spChg>
-        <pc:graphicFrameChg chg="add del">
-          <ac:chgData name="Jordan Lemite" userId="c0a9b13e6c570cf9" providerId="LiveId" clId="{BCB7B0BD-345F-400A-98AF-2FBDF84826BF}" dt="2020-04-30T14:26:30.157" v="4336" actId="26606"/>
-          <ac:graphicFrameMkLst>
-            <pc:docMk/>
-            <pc:sldMk cId="2194058446" sldId="267"/>
-            <ac:graphicFrameMk id="5" creationId="{6DC19477-9347-446A-9219-DA37B57F22C1}"/>
-          </ac:graphicFrameMkLst>
-        </pc:graphicFrameChg>
-        <pc:graphicFrameChg chg="add mod">
-          <ac:chgData name="Jordan Lemite" userId="c0a9b13e6c570cf9" providerId="LiveId" clId="{BCB7B0BD-345F-400A-98AF-2FBDF84826BF}" dt="2020-04-30T14:30:31.708" v="4373" actId="1076"/>
-          <ac:graphicFrameMkLst>
-            <pc:docMk/>
-            <pc:sldMk cId="2194058446" sldId="267"/>
-            <ac:graphicFrameMk id="18" creationId="{DA123DDF-9609-43AF-BAA9-1BFA4FE1E361}"/>
-          </ac:graphicFrameMkLst>
-        </pc:graphicFrameChg>
-        <pc:picChg chg="add del">
-          <ac:chgData name="Jordan Lemite" userId="c0a9b13e6c570cf9" providerId="LiveId" clId="{BCB7B0BD-345F-400A-98AF-2FBDF84826BF}" dt="2020-04-30T14:26:30.157" v="4336" actId="26606"/>
-          <ac:picMkLst>
-            <pc:docMk/>
-            <pc:sldMk cId="2194058446" sldId="267"/>
-            <ac:picMk id="14" creationId="{E505542F-438B-4C62-B13A-916C7F79EC10}"/>
-          </ac:picMkLst>
-        </pc:picChg>
-        <pc:picChg chg="add del">
-          <ac:chgData name="Jordan Lemite" userId="c0a9b13e6c570cf9" providerId="LiveId" clId="{BCB7B0BD-345F-400A-98AF-2FBDF84826BF}" dt="2020-04-30T14:26:30.157" v="4336" actId="26606"/>
-          <ac:picMkLst>
-            <pc:docMk/>
-            <pc:sldMk cId="2194058446" sldId="267"/>
-            <ac:picMk id="16" creationId="{154908BF-145E-4BE2-A6F0-0A464560144B}"/>
-          </ac:picMkLst>
-        </pc:picChg>
-        <pc:picChg chg="add del mod">
-          <ac:chgData name="Jordan Lemite" userId="c0a9b13e6c570cf9" providerId="LiveId" clId="{BCB7B0BD-345F-400A-98AF-2FBDF84826BF}" dt="2020-04-30T14:30:39.995" v="4374" actId="1076"/>
-          <ac:picMkLst>
-            <pc:docMk/>
-            <pc:sldMk cId="2194058446" sldId="267"/>
-            <ac:picMk id="9218" creationId="{8F55336C-BDBF-4BFE-B6F4-FAAC947D6536}"/>
-          </ac:picMkLst>
-        </pc:picChg>
-        <pc:picChg chg="add mod">
-          <ac:chgData name="Jordan Lemite" userId="c0a9b13e6c570cf9" providerId="LiveId" clId="{BCB7B0BD-345F-400A-98AF-2FBDF84826BF}" dt="2020-04-30T14:30:00.373" v="4370" actId="1076"/>
-          <ac:picMkLst>
-            <pc:docMk/>
-            <pc:sldMk cId="2194058446" sldId="267"/>
-            <ac:picMk id="9220" creationId="{8D023EB7-927C-4D7C-A2CF-3AD5FD3F2541}"/>
-          </ac:picMkLst>
-        </pc:picChg>
-      </pc:sldChg>
-      <pc:sldChg chg="addSp delSp modSp add mod setBg setClrOvrMap">
-        <pc:chgData name="Jordan Lemite" userId="c0a9b13e6c570cf9" providerId="LiveId" clId="{BCB7B0BD-345F-400A-98AF-2FBDF84826BF}" dt="2020-04-30T14:47:44.699" v="4950" actId="5793"/>
-        <pc:sldMkLst>
-          <pc:docMk/>
-          <pc:sldMk cId="2204825785" sldId="268"/>
-        </pc:sldMkLst>
-        <pc:spChg chg="mod ord">
-          <ac:chgData name="Jordan Lemite" userId="c0a9b13e6c570cf9" providerId="LiveId" clId="{BCB7B0BD-345F-400A-98AF-2FBDF84826BF}" dt="2020-04-30T14:34:45.020" v="4450" actId="26606"/>
-          <ac:spMkLst>
-            <pc:docMk/>
-            <pc:sldMk cId="2204825785" sldId="268"/>
-            <ac:spMk id="2" creationId="{B3EA853E-93A9-476B-A26F-A930BB4EB2C7}"/>
-          </ac:spMkLst>
-        </pc:spChg>
-        <pc:spChg chg="mod ord">
-          <ac:chgData name="Jordan Lemite" userId="c0a9b13e6c570cf9" providerId="LiveId" clId="{BCB7B0BD-345F-400A-98AF-2FBDF84826BF}" dt="2020-04-30T14:47:44.699" v="4950" actId="5793"/>
-          <ac:spMkLst>
-            <pc:docMk/>
-            <pc:sldMk cId="2204825785" sldId="268"/>
-            <ac:spMk id="3" creationId="{31622BAE-E724-4C17-B929-A5AB4E55E431}"/>
-          </ac:spMkLst>
-        </pc:spChg>
-        <pc:spChg chg="add">
-          <ac:chgData name="Jordan Lemite" userId="c0a9b13e6c570cf9" providerId="LiveId" clId="{BCB7B0BD-345F-400A-98AF-2FBDF84826BF}" dt="2020-04-30T14:34:45.020" v="4450" actId="26606"/>
-          <ac:spMkLst>
-            <pc:docMk/>
-            <pc:sldMk cId="2204825785" sldId="268"/>
-            <ac:spMk id="11" creationId="{6329262A-BBAC-4ED5-BACF-96B3DD02433F}"/>
-          </ac:spMkLst>
-        </pc:spChg>
-        <pc:spChg chg="add del">
-          <ac:chgData name="Jordan Lemite" userId="c0a9b13e6c570cf9" providerId="LiveId" clId="{BCB7B0BD-345F-400A-98AF-2FBDF84826BF}" dt="2020-04-30T14:33:48.398" v="4411" actId="26606"/>
-          <ac:spMkLst>
-            <pc:docMk/>
-            <pc:sldMk cId="2204825785" sldId="268"/>
-            <ac:spMk id="71" creationId="{22052095-6D4E-412C-BDAD-22612DA69DA5}"/>
-          </ac:spMkLst>
-        </pc:spChg>
-        <pc:spChg chg="add del">
-          <ac:chgData name="Jordan Lemite" userId="c0a9b13e6c570cf9" providerId="LiveId" clId="{BCB7B0BD-345F-400A-98AF-2FBDF84826BF}" dt="2020-04-30T14:34:25.658" v="4419" actId="26606"/>
-          <ac:spMkLst>
-            <pc:docMk/>
-            <pc:sldMk cId="2204825785" sldId="268"/>
-            <ac:spMk id="141" creationId="{6329262A-BBAC-4ED5-BACF-96B3DD02433F}"/>
-          </ac:spMkLst>
-        </pc:spChg>
-        <pc:spChg chg="add del">
-          <ac:chgData name="Jordan Lemite" userId="c0a9b13e6c570cf9" providerId="LiveId" clId="{BCB7B0BD-345F-400A-98AF-2FBDF84826BF}" dt="2020-04-30T14:34:27.438" v="4423" actId="26606"/>
-          <ac:spMkLst>
-            <pc:docMk/>
-            <pc:sldMk cId="2204825785" sldId="268"/>
-            <ac:spMk id="10246" creationId="{B40FCD49-2060-48B9-8212-8A5F1DF4726F}"/>
-          </ac:spMkLst>
-        </pc:spChg>
-        <pc:picChg chg="add mod ord">
-          <ac:chgData name="Jordan Lemite" userId="c0a9b13e6c570cf9" providerId="LiveId" clId="{BCB7B0BD-345F-400A-98AF-2FBDF84826BF}" dt="2020-04-30T14:34:45.020" v="4450" actId="26606"/>
-          <ac:picMkLst>
-            <pc:docMk/>
-            <pc:sldMk cId="2204825785" sldId="268"/>
-            <ac:picMk id="4" creationId="{2BED377D-8662-4AA8-98EB-167653590604}"/>
-          </ac:picMkLst>
-        </pc:picChg>
-        <pc:picChg chg="add">
-          <ac:chgData name="Jordan Lemite" userId="c0a9b13e6c570cf9" providerId="LiveId" clId="{BCB7B0BD-345F-400A-98AF-2FBDF84826BF}" dt="2020-04-30T14:34:45.020" v="4450" actId="26606"/>
-          <ac:picMkLst>
-            <pc:docMk/>
-            <pc:sldMk cId="2204825785" sldId="268"/>
-            <ac:picMk id="9" creationId="{CC5A98D3-A8B5-41F7-A61B-F6238BF50A30}"/>
-          </ac:picMkLst>
-        </pc:picChg>
-        <pc:picChg chg="add del">
-          <ac:chgData name="Jordan Lemite" userId="c0a9b13e6c570cf9" providerId="LiveId" clId="{BCB7B0BD-345F-400A-98AF-2FBDF84826BF}" dt="2020-04-30T14:33:48.398" v="4411" actId="26606"/>
-          <ac:picMkLst>
-            <pc:docMk/>
-            <pc:sldMk cId="2204825785" sldId="268"/>
-            <ac:picMk id="73" creationId="{8606ADE0-AB1F-4565-8DAA-F9038957256C}"/>
-          </ac:picMkLst>
-        </pc:picChg>
-        <pc:picChg chg="add del">
-          <ac:chgData name="Jordan Lemite" userId="c0a9b13e6c570cf9" providerId="LiveId" clId="{BCB7B0BD-345F-400A-98AF-2FBDF84826BF}" dt="2020-04-30T14:33:48.398" v="4411" actId="26606"/>
-          <ac:picMkLst>
-            <pc:docMk/>
-            <pc:sldMk cId="2204825785" sldId="268"/>
-            <ac:picMk id="75" creationId="{1F77F438-9D32-4287-9708-0AC36FEBC929}"/>
-          </ac:picMkLst>
-        </pc:picChg>
-        <pc:picChg chg="add del">
-          <ac:chgData name="Jordan Lemite" userId="c0a9b13e6c570cf9" providerId="LiveId" clId="{BCB7B0BD-345F-400A-98AF-2FBDF84826BF}" dt="2020-04-30T14:34:27.438" v="4423" actId="26606"/>
-          <ac:picMkLst>
-            <pc:docMk/>
-            <pc:sldMk cId="2204825785" sldId="268"/>
-            <ac:picMk id="77" creationId="{83A45DCD-B5FB-4A86-88D2-91088C7FFC5F}"/>
-          </ac:picMkLst>
-        </pc:picChg>
-        <pc:picChg chg="add del">
-          <ac:chgData name="Jordan Lemite" userId="c0a9b13e6c570cf9" providerId="LiveId" clId="{BCB7B0BD-345F-400A-98AF-2FBDF84826BF}" dt="2020-04-30T14:34:25.658" v="4419" actId="26606"/>
-          <ac:picMkLst>
-            <pc:docMk/>
-            <pc:sldMk cId="2204825785" sldId="268"/>
-            <ac:picMk id="139" creationId="{CC5A98D3-A8B5-41F7-A61B-F6238BF50A30}"/>
-          </ac:picMkLst>
-        </pc:picChg>
-        <pc:picChg chg="add del mod ord">
-          <ac:chgData name="Jordan Lemite" userId="c0a9b13e6c570cf9" providerId="LiveId" clId="{BCB7B0BD-345F-400A-98AF-2FBDF84826BF}" dt="2020-04-30T14:34:28.066" v="4424"/>
-          <ac:picMkLst>
-            <pc:docMk/>
-            <pc:sldMk cId="2204825785" sldId="268"/>
-            <ac:picMk id="10242" creationId="{192738A3-050E-4D73-8500-DAFC98D2B9CF}"/>
-          </ac:picMkLst>
-        </pc:picChg>
-        <pc:picChg chg="add del">
-          <ac:chgData name="Jordan Lemite" userId="c0a9b13e6c570cf9" providerId="LiveId" clId="{BCB7B0BD-345F-400A-98AF-2FBDF84826BF}" dt="2020-04-30T14:34:27.438" v="4423" actId="26606"/>
-          <ac:picMkLst>
-            <pc:docMk/>
-            <pc:sldMk cId="2204825785" sldId="268"/>
-            <ac:picMk id="10244" creationId="{80DF651B-0216-4CE1-9993-9C81C4629822}"/>
-          </ac:picMkLst>
-        </pc:picChg>
-        <pc:picChg chg="add del">
-          <ac:chgData name="Jordan Lemite" userId="c0a9b13e6c570cf9" providerId="LiveId" clId="{BCB7B0BD-345F-400A-98AF-2FBDF84826BF}" dt="2020-04-30T14:34:27.438" v="4423" actId="26606"/>
-          <ac:picMkLst>
-            <pc:docMk/>
-            <pc:sldMk cId="2204825785" sldId="268"/>
-            <ac:picMk id="10245" creationId="{AB703B97-31D0-4D92-B70B-F64FFB490256}"/>
-          </ac:picMkLst>
-        </pc:picChg>
-      </pc:sldChg>
-      <pc:sldChg chg="modSp add">
-        <pc:chgData name="Jordan Lemite" userId="c0a9b13e6c570cf9" providerId="LiveId" clId="{BCB7B0BD-345F-400A-98AF-2FBDF84826BF}" dt="2020-04-30T14:56:59.340" v="5672" actId="27636"/>
-        <pc:sldMkLst>
-          <pc:docMk/>
-          <pc:sldMk cId="2290904319" sldId="269"/>
-        </pc:sldMkLst>
-        <pc:spChg chg="mod">
-          <ac:chgData name="Jordan Lemite" userId="c0a9b13e6c570cf9" providerId="LiveId" clId="{BCB7B0BD-345F-400A-98AF-2FBDF84826BF}" dt="2020-04-30T14:47:53.964" v="4969" actId="20577"/>
-          <ac:spMkLst>
-            <pc:docMk/>
-            <pc:sldMk cId="2290904319" sldId="269"/>
-            <ac:spMk id="2" creationId="{F222638E-C2B1-49A8-8A28-CBFF96D98F8C}"/>
-          </ac:spMkLst>
-        </pc:spChg>
-        <pc:spChg chg="mod">
-          <ac:chgData name="Jordan Lemite" userId="c0a9b13e6c570cf9" providerId="LiveId" clId="{BCB7B0BD-345F-400A-98AF-2FBDF84826BF}" dt="2020-04-30T14:56:59.340" v="5672" actId="27636"/>
-          <ac:spMkLst>
-            <pc:docMk/>
-            <pc:sldMk cId="2290904319" sldId="269"/>
-            <ac:spMk id="3" creationId="{B4EEA599-4A28-4B49-AB1F-5B1E8BAAC962}"/>
-          </ac:spMkLst>
-        </pc:spChg>
-      </pc:sldChg>
-    </pc:docChg>
-  </pc:docChgLst>
-</pc:chgInfo>
 </file>
 
 <file path=ppt/diagrams/colors1.xml><?xml version="1.0" encoding="utf-8"?>
@@ -4066,8 +3187,8 @@
             <a:defRPr b="1"/>
           </a:pPr>
           <a:r>
-            <a:rPr lang="en-US"/>
-            <a:t>the Firewall is not perfect</a:t>
+            <a:rPr lang="en-US" dirty="0"/>
+            <a:t>The firewall is not perfect</a:t>
           </a:r>
         </a:p>
       </dgm:t>
@@ -4141,8 +3262,8 @@
             <a:defRPr b="1"/>
           </a:pPr>
           <a:r>
-            <a:rPr lang="en-US"/>
-            <a:t>Not having a firewall Puts others at risk</a:t>
+            <a:rPr lang="en-US" dirty="0"/>
+            <a:t>Not having a firewall puts others at risk</a:t>
           </a:r>
         </a:p>
       </dgm:t>
@@ -5836,8 +4957,8 @@
             <a:defRPr b="1"/>
           </a:pPr>
           <a:r>
-            <a:rPr lang="en-US" sz="1800" kern="1200"/>
-            <a:t>the Firewall is not perfect</a:t>
+            <a:rPr lang="en-US" sz="1800" kern="1200" dirty="0"/>
+            <a:t>The firewall is not perfect</a:t>
           </a:r>
         </a:p>
       </dsp:txBody>
@@ -6006,8 +5127,8 @@
             <a:defRPr b="1"/>
           </a:pPr>
           <a:r>
-            <a:rPr lang="en-US" sz="1800" kern="1200"/>
-            <a:t>Not having a firewall Puts others at risk</a:t>
+            <a:rPr lang="en-US" sz="1800" kern="1200" dirty="0"/>
+            <a:t>Not having a firewall puts others at risk</a:t>
           </a:r>
         </a:p>
       </dsp:txBody>
@@ -19347,7 +18468,7 @@
             <p:ph sz="quarter" idx="13"/>
             <p:extLst>
               <p:ext uri="{D42A27DB-BD31-4B8C-83A1-F6EECF244321}">
-                <p14:modId xmlns:p14="http://schemas.microsoft.com/office/powerpoint/2010/main" val="1774181978"/>
+                <p14:modId xmlns:p14="http://schemas.microsoft.com/office/powerpoint/2010/main" val="2049810279"/>
               </p:ext>
             </p:extLst>
           </p:nvPr>
